--- a/public/documents/poster-template.pptx
+++ b/public/documents/poster-template.pptx
@@ -2,10 +2,10 @@
 <file path=ppt/presentation.xml><?xml version="1.0" encoding="utf-8"?>
 <p:presentation xmlns:a="http://schemas.openxmlformats.org/drawingml/2006/main" xmlns:r="http://schemas.openxmlformats.org/officeDocument/2006/relationships" xmlns:p="http://schemas.openxmlformats.org/presentationml/2006/main" saveSubsetFonts="1">
   <p:sldMasterIdLst>
-    <p:sldMasterId id="2147483648" r:id="rId1"/>
+    <p:sldMasterId id="2147483648" r:id="rId6"/>
   </p:sldMasterIdLst>
   <p:sldIdLst>
-    <p:sldId id="258" r:id="rId2"/>
+    <p:sldId id="258" r:id="rId7"/>
   </p:sldIdLst>
   <p:sldSz cx="30275213" cy="42840275"/>
   <p:notesSz cx="6858000" cy="9144000"/>
@@ -5156,7 +5156,7 @@
         <p:spPr>
           <a:xfrm>
             <a:off x="2160000" y="9000000"/>
-            <a:ext cx="12240000" cy="6723623"/>
+            <a:ext cx="12066898" cy="7694430"/>
           </a:xfrm>
         </p:spPr>
         <p:txBody>
@@ -5172,6 +5172,9 @@
           </a:p>
           <a:p>
             <a:pPr marL="857250" indent="-857250">
+              <a:lnSpc>
+                <a:spcPct val="110000"/>
+              </a:lnSpc>
               <a:spcBef>
                 <a:spcPts val="2400"/>
               </a:spcBef>
@@ -5180,11 +5183,14 @@
             </a:pPr>
             <a:r>
               <a:rPr lang="en-GB" altLang="en-US" sz="4800" b="0" dirty="0" smtClean="0"/>
-              <a:t>A display board of about 1000 mm X 1500 mm ONLY (portrait format) will be provided for each author. Please use standard A0 format (841 mm X 1189 mm) as printing format. </a:t>
+              <a:t>A display board of about 1000 mm x 1500 mm (portrait format) will be provided for each author. Please use standard A0 format (841 mm x 1189 mm) as printing format. </a:t>
             </a:r>
           </a:p>
           <a:p>
             <a:pPr marL="857250" indent="-857250">
+              <a:lnSpc>
+                <a:spcPct val="110000"/>
+              </a:lnSpc>
               <a:spcBef>
                 <a:spcPts val="2400"/>
               </a:spcBef>
@@ -5193,7 +5199,7 @@
             </a:pPr>
             <a:r>
               <a:rPr lang="en-GB" sz="4800" b="0" dirty="0" smtClean="0"/>
-              <a:t>Font Type is Open Sans. The smaller font size for text boxes is 48 points. </a:t>
+              <a:t>Font Type is Open Sans. The font size for text boxes is 48 points. </a:t>
             </a:r>
             <a:r>
               <a:rPr lang="en-GB" altLang="en-US" sz="4800" b="0" dirty="0" smtClean="0"/>
@@ -5215,12 +5221,14 @@
         </p:nvSpPr>
         <p:spPr>
           <a:xfrm>
-            <a:off x="15840000" y="9000000"/>
-            <a:ext cx="12240000" cy="7897906"/>
+            <a:off x="15840000" y="8999999"/>
+            <a:ext cx="12240000" cy="5470743"/>
           </a:xfrm>
         </p:spPr>
         <p:txBody>
-          <a:bodyPr/>
+          <a:bodyPr>
+            <a:normAutofit/>
+          </a:bodyPr>
           <a:lstStyle/>
           <a:p>
             <a:r>
@@ -5234,12 +5242,20 @@
               <a:buChar char="•"/>
             </a:pPr>
             <a:r>
-              <a:rPr lang="en-GB" altLang="en-US" sz="4800" b="0" dirty="0" smtClean="0"/>
-              <a:t>You will have 5 minutes to present the poster. There will be plenty of time after the poster presentations for </a:t>
+              <a:rPr lang="en-US" sz="4800" b="0" dirty="0" smtClean="0"/>
+              <a:t>Please </a:t>
             </a:r>
             <a:r>
-              <a:rPr lang="en-GB" altLang="en-US" sz="4800" b="0" dirty="0" smtClean="0"/>
-              <a:t>discussion.</a:t>
+              <a:rPr lang="en-US" sz="4800" b="0" dirty="0"/>
+              <a:t>avoid commercial </a:t>
+            </a:r>
+            <a:r>
+              <a:rPr lang="en-US" sz="4800" b="0" dirty="0" smtClean="0"/>
+              <a:t>references or product advertisement</a:t>
+            </a:r>
+            <a:r>
+              <a:rPr lang="en-US" sz="4800" b="0" dirty="0" smtClean="0"/>
+              <a:t>.</a:t>
             </a:r>
           </a:p>
           <a:p>
@@ -5248,9 +5264,17 @@
               <a:buChar char="•"/>
             </a:pPr>
             <a:r>
-              <a:rPr lang="en-US" sz="4800" b="0" dirty="0"/>
-              <a:t>Please avoid commercial references. Advertising of products is prohibited.</a:t>
+              <a:rPr lang="en-US" sz="4800" b="0" dirty="0" smtClean="0"/>
+              <a:t>You have about 5 minutes to present your poster during a guided poster tour</a:t>
             </a:r>
+            <a:endParaRPr lang="en-US" sz="4800" b="0" dirty="0" smtClean="0"/>
+          </a:p>
+          <a:p>
+            <a:pPr marL="857250" indent="-857250">
+              <a:buFont typeface="Arial" panose="020B0604020202020204" pitchFamily="34" charset="0"/>
+              <a:buChar char="•"/>
+            </a:pPr>
+            <a:endParaRPr lang="en-US" sz="4800" b="0" dirty="0"/>
           </a:p>
           <a:p>
             <a:pPr marL="857250" indent="-857250">
@@ -5816,7 +5840,7 @@
             </a:pPr>
             <a:r>
               <a:rPr lang="en-GB" sz="4800" b="0" dirty="0" smtClean="0"/>
-              <a:t>You can include as so many sections as you want, but please try to not overload the poster with text. Pictures, graphs and tables are preferred.</a:t>
+              <a:t>You can include as many sections as you want, but please try to not overload the poster with text. Pictures, graphs and tables are preferred.</a:t>
             </a:r>
           </a:p>
           <a:p>
@@ -5845,7 +5869,7 @@
         </p:nvSpPr>
         <p:spPr>
           <a:xfrm>
-            <a:off x="15852401" y="29124088"/>
+            <a:off x="15852401" y="28180660"/>
             <a:ext cx="12240000" cy="4325630"/>
           </a:xfrm>
           <a:prstGeom prst="rect">
@@ -6036,7 +6060,7 @@
             </a:pPr>
             <a:r>
               <a:rPr lang="en-GB" sz="4800" b="0" dirty="0" smtClean="0"/>
-              <a:t>If possible, indicate the open issues and further work</a:t>
+              <a:t>Indicate the open issues and further work</a:t>
             </a:r>
           </a:p>
           <a:p>
@@ -6049,7 +6073,7 @@
             </a:pPr>
             <a:r>
               <a:rPr lang="en-GB" altLang="en-US" sz="4800" b="0" dirty="0" smtClean="0"/>
-              <a:t>Do not forget to print the poster and bring it to the workshop !!</a:t>
+              <a:t>Do not forget to print the poster and bring it to the workshop !</a:t>
             </a:r>
           </a:p>
           <a:p>
@@ -6109,13 +6133,13 @@
           <p:nvPr>
             <p:extLst>
               <p:ext uri="{D42A27DB-BD31-4B8C-83A1-F6EECF244321}">
-                <p14:modId xmlns:p14="http://schemas.microsoft.com/office/powerpoint/2010/main" val="3623024704"/>
+                <p14:modId xmlns:p14="http://schemas.microsoft.com/office/powerpoint/2010/main" val="1992886997"/>
               </p:ext>
             </p:extLst>
           </p:nvPr>
         </p:nvGraphicFramePr>
         <p:xfrm>
-          <a:off x="15852401" y="15741333"/>
+          <a:off x="15852401" y="15203293"/>
           <a:ext cx="11640858" cy="3676724"/>
         </p:xfrm>
         <a:graphic>
@@ -6466,7 +6490,7 @@
         </p:nvSpPr>
         <p:spPr>
           <a:xfrm>
-            <a:off x="18135377" y="14697495"/>
+            <a:off x="18135377" y="14159455"/>
             <a:ext cx="6810454" cy="707886"/>
           </a:xfrm>
           <a:prstGeom prst="rect">
@@ -6528,13 +6552,13 @@
           <p:nvPr>
             <p:extLst>
               <p:ext uri="{D42A27DB-BD31-4B8C-83A1-F6EECF244321}">
-                <p14:modId xmlns:p14="http://schemas.microsoft.com/office/powerpoint/2010/main" val="1744039081"/>
+                <p14:modId xmlns:p14="http://schemas.microsoft.com/office/powerpoint/2010/main" val="1034121792"/>
               </p:ext>
             </p:extLst>
           </p:nvPr>
         </p:nvGraphicFramePr>
         <p:xfrm>
-          <a:off x="15852401" y="20229944"/>
+          <a:off x="15852401" y="19691904"/>
           <a:ext cx="11273916" cy="6150944"/>
         </p:xfrm>
         <a:graphic>
@@ -6551,7 +6575,7 @@
         </p:nvSpPr>
         <p:spPr>
           <a:xfrm>
-            <a:off x="17914051" y="26995992"/>
+            <a:off x="17914051" y="26515257"/>
             <a:ext cx="7800853" cy="707886"/>
           </a:xfrm>
           <a:prstGeom prst="rect">
@@ -6854,4 +6878,376 @@
     </a:ext>
   </a:extLst>
 </a:theme>
+</file>
+
+<file path=customXml/item1.xml><?xml version="1.0" encoding="utf-8"?>
+<p:properties xmlns:p="http://schemas.microsoft.com/office/2006/metadata/properties" xmlns:xsi="http://www.w3.org/2001/XMLSchema-instance" xmlns:pc="http://schemas.microsoft.com/office/infopath/2007/PartnerControls">
+  <documentManagement>
+    <DLCPolicyLabelValue xmlns="565f845c-8bcf-40be-962f-d6cd85ab3a8a">2.0</DLCPolicyLabelValue>
+    <_dlc_DocId xmlns="1f53df8b-058d-4062-a5e9-4b16ff8304a3">V53QN3DJA4XU-2071791476-3864</_dlc_DocId>
+    <_dlc_DocIdUrl xmlns="1f53df8b-058d-4062-a5e9-4b16ff8304a3">
+      <Url>https://sharepoint.tu-dresden.de/sites/ieeh/ag-powerquality/_layouts/15/DocIdRedir.aspx?ID=V53QN3DJA4XU-2071791476-3864</Url>
+      <Description>V53QN3DJA4XU-2071791476-3864</Description>
+    </_dlc_DocIdUrl>
+    <DLCPolicyLabelClientValue xmlns="565f845c-8bcf-40be-962f-d6cd85ab3a8a" xsi:nil="true"/>
+    <DLCPolicyLabelLock xmlns="565f845c-8bcf-40be-962f-d6cd85ab3a8a" xsi:nil="true"/>
+  </documentManagement>
+</p:properties>
+</file>
+
+<file path=customXml/item2.xml><?xml version="1.0" encoding="utf-8"?>
+<ct:contentTypeSchema xmlns:ct="http://schemas.microsoft.com/office/2006/metadata/contentType" xmlns:ma="http://schemas.microsoft.com/office/2006/metadata/properties/metaAttributes" ct:_="" ma:_="" ma:contentTypeName="Dokument" ma:contentTypeID="0x0101005FD3C2A2A982AA4DA38B26A7A3B6FC56" ma:contentTypeVersion="8" ma:contentTypeDescription="Ein neues Dokument erstellen." ma:contentTypeScope="" ma:versionID="45784e6d36bad67faa351a216a89513f">
+  <xsd:schema xmlns:xsd="http://www.w3.org/2001/XMLSchema" xmlns:xs="http://www.w3.org/2001/XMLSchema" xmlns:p="http://schemas.microsoft.com/office/2006/metadata/properties" xmlns:ns1="http://schemas.microsoft.com/sharepoint/v3" xmlns:ns2="565f845c-8bcf-40be-962f-d6cd85ab3a8a" xmlns:ns3="1f53df8b-058d-4062-a5e9-4b16ff8304a3" xmlns:ns4="165eefe7-2290-434e-9d8d-c145711ff539" targetNamespace="http://schemas.microsoft.com/office/2006/metadata/properties" ma:root="true" ma:fieldsID="d715a58c3d71e81a4cd62ec1ebdf5cc6" ns1:_="" ns2:_="" ns3:_="" ns4:_="">
+    <xsd:import namespace="http://schemas.microsoft.com/sharepoint/v3"/>
+    <xsd:import namespace="565f845c-8bcf-40be-962f-d6cd85ab3a8a"/>
+    <xsd:import namespace="1f53df8b-058d-4062-a5e9-4b16ff8304a3"/>
+    <xsd:import namespace="165eefe7-2290-434e-9d8d-c145711ff539"/>
+    <xsd:element name="properties">
+      <xsd:complexType>
+        <xsd:sequence>
+          <xsd:element name="documentManagement">
+            <xsd:complexType>
+              <xsd:all>
+                <xsd:element ref="ns1:_dlc_Exempt" minOccurs="0"/>
+                <xsd:element ref="ns2:DLCPolicyLabelValue" minOccurs="0"/>
+                <xsd:element ref="ns2:DLCPolicyLabelClientValue" minOccurs="0"/>
+                <xsd:element ref="ns2:DLCPolicyLabelLock" minOccurs="0"/>
+                <xsd:element ref="ns3:_dlc_DocId" minOccurs="0"/>
+                <xsd:element ref="ns3:_dlc_DocIdUrl" minOccurs="0"/>
+                <xsd:element ref="ns3:_dlc_DocIdPersistId" minOccurs="0"/>
+                <xsd:element ref="ns4:SharedWithUsers" minOccurs="0"/>
+                <xsd:element ref="ns4:SharedWithDetails" minOccurs="0"/>
+              </xsd:all>
+            </xsd:complexType>
+          </xsd:element>
+        </xsd:sequence>
+      </xsd:complexType>
+    </xsd:element>
+  </xsd:schema>
+  <xsd:schema xmlns:xsd="http://www.w3.org/2001/XMLSchema" xmlns:xs="http://www.w3.org/2001/XMLSchema" xmlns:dms="http://schemas.microsoft.com/office/2006/documentManagement/types" xmlns:pc="http://schemas.microsoft.com/office/infopath/2007/PartnerControls" targetNamespace="http://schemas.microsoft.com/sharepoint/v3" elementFormDefault="qualified">
+    <xsd:import namespace="http://schemas.microsoft.com/office/2006/documentManagement/types"/>
+    <xsd:import namespace="http://schemas.microsoft.com/office/infopath/2007/PartnerControls"/>
+    <xsd:element name="_dlc_Exempt" ma:index="8" nillable="true" ma:displayName="Von der Richtlinie ausgenommen" ma:hidden="true" ma:internalName="_dlc_Exempt" ma:readOnly="true">
+      <xsd:simpleType>
+        <xsd:restriction base="dms:Unknown"/>
+      </xsd:simpleType>
+    </xsd:element>
+  </xsd:schema>
+  <xsd:schema xmlns:xsd="http://www.w3.org/2001/XMLSchema" xmlns:xs="http://www.w3.org/2001/XMLSchema" xmlns:dms="http://schemas.microsoft.com/office/2006/documentManagement/types" xmlns:pc="http://schemas.microsoft.com/office/infopath/2007/PartnerControls" targetNamespace="565f845c-8bcf-40be-962f-d6cd85ab3a8a" elementFormDefault="qualified">
+    <xsd:import namespace="http://schemas.microsoft.com/office/2006/documentManagement/types"/>
+    <xsd:import namespace="http://schemas.microsoft.com/office/infopath/2007/PartnerControls"/>
+    <xsd:element name="DLCPolicyLabelValue" ma:index="9" nillable="true" ma:displayName="Bezeichnung" ma:description="Speichert den aktuellen Wert der Bezeichnung." ma:internalName="DLCPolicyLabelValue" ma:readOnly="true">
+      <xsd:simpleType>
+        <xsd:restriction base="dms:Note">
+          <xsd:maxLength value="255"/>
+        </xsd:restriction>
+      </xsd:simpleType>
+    </xsd:element>
+    <xsd:element name="DLCPolicyLabelClientValue" ma:index="10" nillable="true" ma:displayName="Clientbezeichnungswert" ma:description="Speichert den letzten Bezeichnungswert, der auf dem Client errechnet wurde." ma:hidden="true" ma:internalName="DLCPolicyLabelClientValue" ma:readOnly="false">
+      <xsd:simpleType>
+        <xsd:restriction base="dms:Note"/>
+      </xsd:simpleType>
+    </xsd:element>
+    <xsd:element name="DLCPolicyLabelLock" ma:index="11" nillable="true" ma:displayName="Bezeichnung gesperrt" ma:description="Gibt an, ob die Bezeichnung zu aktualisieren ist, wenn Elementeigenschaften geändert werden." ma:hidden="true" ma:internalName="DLCPolicyLabelLock" ma:readOnly="false">
+      <xsd:simpleType>
+        <xsd:restriction base="dms:Text"/>
+      </xsd:simpleType>
+    </xsd:element>
+  </xsd:schema>
+  <xsd:schema xmlns:xsd="http://www.w3.org/2001/XMLSchema" xmlns:xs="http://www.w3.org/2001/XMLSchema" xmlns:dms="http://schemas.microsoft.com/office/2006/documentManagement/types" xmlns:pc="http://schemas.microsoft.com/office/infopath/2007/PartnerControls" targetNamespace="1f53df8b-058d-4062-a5e9-4b16ff8304a3" elementFormDefault="qualified">
+    <xsd:import namespace="http://schemas.microsoft.com/office/2006/documentManagement/types"/>
+    <xsd:import namespace="http://schemas.microsoft.com/office/infopath/2007/PartnerControls"/>
+    <xsd:element name="_dlc_DocId" ma:index="12" nillable="true" ma:displayName="Wert der Dokument-ID" ma:description="Der Wert der diesem Element zugewiesenen Dokument-ID." ma:internalName="_dlc_DocId" ma:readOnly="true">
+      <xsd:simpleType>
+        <xsd:restriction base="dms:Text"/>
+      </xsd:simpleType>
+    </xsd:element>
+    <xsd:element name="_dlc_DocIdUrl" ma:index="13" nillable="true" ma:displayName="Dokument-ID" ma:description="Permanenter Hyperlink zu diesem Dokument." ma:hidden="true" ma:internalName="_dlc_DocIdUrl" ma:readOnly="true">
+      <xsd:complexType>
+        <xsd:complexContent>
+          <xsd:extension base="dms:URL">
+            <xsd:sequence>
+              <xsd:element name="Url" type="dms:ValidUrl" minOccurs="0" nillable="true"/>
+              <xsd:element name="Description" type="xsd:string" nillable="true"/>
+            </xsd:sequence>
+          </xsd:extension>
+        </xsd:complexContent>
+      </xsd:complexType>
+    </xsd:element>
+    <xsd:element name="_dlc_DocIdPersistId" ma:index="14" nillable="true" ma:displayName="Persist ID" ma:description="Keep ID on add." ma:hidden="true" ma:internalName="_dlc_DocIdPersistId" ma:readOnly="true">
+      <xsd:simpleType>
+        <xsd:restriction base="dms:Boolean"/>
+      </xsd:simpleType>
+    </xsd:element>
+  </xsd:schema>
+  <xsd:schema xmlns:xsd="http://www.w3.org/2001/XMLSchema" xmlns:xs="http://www.w3.org/2001/XMLSchema" xmlns:dms="http://schemas.microsoft.com/office/2006/documentManagement/types" xmlns:pc="http://schemas.microsoft.com/office/infopath/2007/PartnerControls" targetNamespace="165eefe7-2290-434e-9d8d-c145711ff539" elementFormDefault="qualified">
+    <xsd:import namespace="http://schemas.microsoft.com/office/2006/documentManagement/types"/>
+    <xsd:import namespace="http://schemas.microsoft.com/office/infopath/2007/PartnerControls"/>
+    <xsd:element name="SharedWithUsers" ma:index="15" nillable="true" ma:displayName="Freigegeben für" ma:internalName="SharedWithUsers" ma:readOnly="true">
+      <xsd:complexType>
+        <xsd:complexContent>
+          <xsd:extension base="dms:UserMulti">
+            <xsd:sequence>
+              <xsd:element name="UserInfo" minOccurs="0" maxOccurs="unbounded">
+                <xsd:complexType>
+                  <xsd:sequence>
+                    <xsd:element name="DisplayName" type="xsd:string" minOccurs="0"/>
+                    <xsd:element name="AccountId" type="dms:UserId" minOccurs="0" nillable="true"/>
+                    <xsd:element name="AccountType" type="xsd:string" minOccurs="0"/>
+                  </xsd:sequence>
+                </xsd:complexType>
+              </xsd:element>
+            </xsd:sequence>
+          </xsd:extension>
+        </xsd:complexContent>
+      </xsd:complexType>
+    </xsd:element>
+    <xsd:element name="SharedWithDetails" ma:index="16" nillable="true" ma:displayName="Freigegeben für - Details" ma:internalName="SharedWithDetails" ma:readOnly="true">
+      <xsd:simpleType>
+        <xsd:restriction base="dms:Note">
+          <xsd:maxLength value="255"/>
+        </xsd:restriction>
+      </xsd:simpleType>
+    </xsd:element>
+  </xsd:schema>
+  <xsd:schema xmlns="http://schemas.openxmlformats.org/package/2006/metadata/core-properties" xmlns:xsd="http://www.w3.org/2001/XMLSchema" xmlns:xsi="http://www.w3.org/2001/XMLSchema-instance" xmlns:dc="http://purl.org/dc/elements/1.1/" xmlns:dcterms="http://purl.org/dc/terms/" xmlns:odoc="http://schemas.microsoft.com/internal/obd" targetNamespace="http://schemas.openxmlformats.org/package/2006/metadata/core-properties" elementFormDefault="qualified" attributeFormDefault="unqualified" blockDefault="#all">
+    <xsd:import namespace="http://purl.org/dc/elements/1.1/" schemaLocation="http://dublincore.org/schemas/xmls/qdc/2003/04/02/dc.xsd"/>
+    <xsd:import namespace="http://purl.org/dc/terms/" schemaLocation="http://dublincore.org/schemas/xmls/qdc/2003/04/02/dcterms.xsd"/>
+    <xsd:element name="coreProperties" type="CT_coreProperties"/>
+    <xsd:complexType name="CT_coreProperties">
+      <xsd:all>
+        <xsd:element ref="dc:creator" minOccurs="0" maxOccurs="1"/>
+        <xsd:element ref="dcterms:created" minOccurs="0" maxOccurs="1"/>
+        <xsd:element ref="dc:identifier" minOccurs="0" maxOccurs="1"/>
+        <xsd:element name="contentType" minOccurs="0" maxOccurs="1" type="xsd:string" ma:index="0" ma:displayName="Inhaltstyp"/>
+        <xsd:element ref="dc:title" minOccurs="0" maxOccurs="1" ma:index="4" ma:displayName="Titel"/>
+        <xsd:element ref="dc:subject" minOccurs="0" maxOccurs="1"/>
+        <xsd:element ref="dc:description" minOccurs="0" maxOccurs="1"/>
+        <xsd:element name="keywords" minOccurs="0" maxOccurs="1" type="xsd:string"/>
+        <xsd:element ref="dc:language" minOccurs="0" maxOccurs="1"/>
+        <xsd:element name="category" minOccurs="0" maxOccurs="1" type="xsd:string"/>
+        <xsd:element name="version" minOccurs="0" maxOccurs="1" type="xsd:string"/>
+        <xsd:element name="revision" minOccurs="0" maxOccurs="1" type="xsd:string">
+          <xsd:annotation>
+            <xsd:documentation>
+                        This value indicates the number of saves or revisions. The application is responsible for updating this value after each revision.
+                    </xsd:documentation>
+          </xsd:annotation>
+        </xsd:element>
+        <xsd:element name="lastModifiedBy" minOccurs="0" maxOccurs="1" type="xsd:string"/>
+        <xsd:element ref="dcterms:modified" minOccurs="0" maxOccurs="1"/>
+        <xsd:element name="contentStatus" minOccurs="0" maxOccurs="1" type="xsd:string"/>
+      </xsd:all>
+    </xsd:complexType>
+  </xsd:schema>
+  <xs:schema xmlns:pc="http://schemas.microsoft.com/office/infopath/2007/PartnerControls" xmlns:xs="http://www.w3.org/2001/XMLSchema" targetNamespace="http://schemas.microsoft.com/office/infopath/2007/PartnerControls" elementFormDefault="qualified" attributeFormDefault="unqualified">
+    <xs:element name="Person">
+      <xs:complexType>
+        <xs:sequence>
+          <xs:element ref="pc:DisplayName" minOccurs="0"/>
+          <xs:element ref="pc:AccountId" minOccurs="0"/>
+          <xs:element ref="pc:AccountType" minOccurs="0"/>
+        </xs:sequence>
+      </xs:complexType>
+    </xs:element>
+    <xs:element name="DisplayName" type="xs:string"/>
+    <xs:element name="AccountId" type="xs:string"/>
+    <xs:element name="AccountType" type="xs:string"/>
+    <xs:element name="BDCAssociatedEntity">
+      <xs:complexType>
+        <xs:sequence>
+          <xs:element ref="pc:BDCEntity" minOccurs="0" maxOccurs="unbounded"/>
+        </xs:sequence>
+        <xs:attribute ref="pc:EntityNamespace"/>
+        <xs:attribute ref="pc:EntityName"/>
+        <xs:attribute ref="pc:SystemInstanceName"/>
+        <xs:attribute ref="pc:AssociationName"/>
+      </xs:complexType>
+    </xs:element>
+    <xs:attribute name="EntityNamespace" type="xs:string"/>
+    <xs:attribute name="EntityName" type="xs:string"/>
+    <xs:attribute name="SystemInstanceName" type="xs:string"/>
+    <xs:attribute name="AssociationName" type="xs:string"/>
+    <xs:element name="BDCEntity">
+      <xs:complexType>
+        <xs:sequence>
+          <xs:element ref="pc:EntityDisplayName" minOccurs="0"/>
+          <xs:element ref="pc:EntityInstanceReference" minOccurs="0"/>
+          <xs:element ref="pc:EntityId1" minOccurs="0"/>
+          <xs:element ref="pc:EntityId2" minOccurs="0"/>
+          <xs:element ref="pc:EntityId3" minOccurs="0"/>
+          <xs:element ref="pc:EntityId4" minOccurs="0"/>
+          <xs:element ref="pc:EntityId5" minOccurs="0"/>
+        </xs:sequence>
+      </xs:complexType>
+    </xs:element>
+    <xs:element name="EntityDisplayName" type="xs:string"/>
+    <xs:element name="EntityInstanceReference" type="xs:string"/>
+    <xs:element name="EntityId1" type="xs:string"/>
+    <xs:element name="EntityId2" type="xs:string"/>
+    <xs:element name="EntityId3" type="xs:string"/>
+    <xs:element name="EntityId4" type="xs:string"/>
+    <xs:element name="EntityId5" type="xs:string"/>
+    <xs:element name="Terms">
+      <xs:complexType>
+        <xs:sequence>
+          <xs:element ref="pc:TermInfo" minOccurs="0" maxOccurs="unbounded"/>
+        </xs:sequence>
+      </xs:complexType>
+    </xs:element>
+    <xs:element name="TermInfo">
+      <xs:complexType>
+        <xs:sequence>
+          <xs:element ref="pc:TermName" minOccurs="0"/>
+          <xs:element ref="pc:TermId" minOccurs="0"/>
+        </xs:sequence>
+      </xs:complexType>
+    </xs:element>
+    <xs:element name="TermName" type="xs:string"/>
+    <xs:element name="TermId" type="xs:string"/>
+  </xs:schema>
+</ct:contentTypeSchema>
+</file>
+
+<file path=customXml/item3.xml><?xml version="1.0" encoding="utf-8"?>
+<?mso-contentType ?>
+<p:Policy xmlns:p="office.server.policy" id="" local="true">
+  <p:Name>Dokument</p:Name>
+  <p:Description/>
+  <p:Statement/>
+  <p:PolicyItems>
+    <p:PolicyItem featureId="Microsoft.Office.RecordsManagement.PolicyFeatures.PolicyLabel" staticId="0x0101005FD3C2A2A982AA4DA38B26A7A3B6FC56|801092262" UniqueId="556d0858-f19b-46bf-8f26-4558a9938eef">
+      <p:Name>Bezeichnungen</p:Name>
+      <p:Description>Generiert Bezeichnungen, die in Microsoft Office-Dokumente eingefügt werden können, um sicherzustellen, dass Dokumenteigenschaften oder sonstige wichtige Informationen beim Drucken von Dokumenten enthalten sind. Bezeichnungen können auch für die Suche nach Dokumenten verwendet werden.</p:Description>
+      <p:CustomData>
+        <label>
+          <segment type="metadata">_UIVersionString</segment>
+        </label>
+      </p:CustomData>
+    </p:PolicyItem>
+  </p:PolicyItems>
+</p:Policy>
+</file>
+
+<file path=customXml/item4.xml><?xml version="1.0" encoding="utf-8"?>
+<?mso-contentType ?>
+<spe:Receivers xmlns:spe="http://schemas.microsoft.com/sharepoint/events">
+  <Receiver>
+    <Name>Document ID Generator</Name>
+    <Synchronization>Synchronous</Synchronization>
+    <Type>10001</Type>
+    <SequenceNumber>1000</SequenceNumber>
+    <Url/>
+    <Assembly>Microsoft.Office.DocumentManagement, Version=16.0.0.0, Culture=neutral, PublicKeyToken=71e9bce111e9429c</Assembly>
+    <Class>Microsoft.Office.DocumentManagement.Internal.DocIdHandler</Class>
+    <Data/>
+    <Filter/>
+  </Receiver>
+  <Receiver>
+    <Name>Document ID Generator</Name>
+    <Synchronization>Synchronous</Synchronization>
+    <Type>10002</Type>
+    <SequenceNumber>1001</SequenceNumber>
+    <Url/>
+    <Assembly>Microsoft.Office.DocumentManagement, Version=16.0.0.0, Culture=neutral, PublicKeyToken=71e9bce111e9429c</Assembly>
+    <Class>Microsoft.Office.DocumentManagement.Internal.DocIdHandler</Class>
+    <Data/>
+    <Filter/>
+  </Receiver>
+  <Receiver>
+    <Name>Document ID Generator</Name>
+    <Synchronization>Synchronous</Synchronization>
+    <Type>10004</Type>
+    <SequenceNumber>1002</SequenceNumber>
+    <Url/>
+    <Assembly>Microsoft.Office.DocumentManagement, Version=16.0.0.0, Culture=neutral, PublicKeyToken=71e9bce111e9429c</Assembly>
+    <Class>Microsoft.Office.DocumentManagement.Internal.DocIdHandler</Class>
+    <Data/>
+    <Filter/>
+  </Receiver>
+  <Receiver>
+    <Name>Document ID Generator</Name>
+    <Synchronization>Synchronous</Synchronization>
+    <Type>10006</Type>
+    <SequenceNumber>1003</SequenceNumber>
+    <Url/>
+    <Assembly>Microsoft.Office.DocumentManagement, Version=16.0.0.0, Culture=neutral, PublicKeyToken=71e9bce111e9429c</Assembly>
+    <Class>Microsoft.Office.DocumentManagement.Internal.DocIdHandler</Class>
+    <Data/>
+    <Filter/>
+  </Receiver>
+</spe:Receivers>
+</file>
+
+<file path=customXml/item5.xml><?xml version="1.0" encoding="utf-8"?>
+<?mso-contentType ?>
+<FormTemplates xmlns="http://schemas.microsoft.com/sharepoint/v3/contenttype/forms">
+  <Display>DocumentLibraryForm</Display>
+  <Edit>DocumentLibraryForm</Edit>
+  <New>DocumentLibraryForm</New>
+</FormTemplates>
+</file>
+
+<file path=customXml/itemProps1.xml><?xml version="1.0" encoding="utf-8"?>
+<ds:datastoreItem xmlns:ds="http://schemas.openxmlformats.org/officeDocument/2006/customXml" ds:itemID="{4266E12D-21A5-40D0-93E6-83EB597399BB}">
+  <ds:schemaRefs>
+    <ds:schemaRef ds:uri="http://purl.org/dc/dcmitype/"/>
+    <ds:schemaRef ds:uri="http://schemas.microsoft.com/office/2006/documentManagement/types"/>
+    <ds:schemaRef ds:uri="http://purl.org/dc/elements/1.1/"/>
+    <ds:schemaRef ds:uri="565f845c-8bcf-40be-962f-d6cd85ab3a8a"/>
+    <ds:schemaRef ds:uri="http://purl.org/dc/terms/"/>
+    <ds:schemaRef ds:uri="http://schemas.microsoft.com/office/infopath/2007/PartnerControls"/>
+    <ds:schemaRef ds:uri="http://schemas.openxmlformats.org/package/2006/metadata/core-properties"/>
+    <ds:schemaRef ds:uri="165eefe7-2290-434e-9d8d-c145711ff539"/>
+    <ds:schemaRef ds:uri="1f53df8b-058d-4062-a5e9-4b16ff8304a3"/>
+    <ds:schemaRef ds:uri="http://schemas.microsoft.com/sharepoint/v3"/>
+    <ds:schemaRef ds:uri="http://schemas.microsoft.com/office/2006/metadata/properties"/>
+    <ds:schemaRef ds:uri="http://www.w3.org/XML/1998/namespace"/>
+  </ds:schemaRefs>
+</ds:datastoreItem>
+</file>
+
+<file path=customXml/itemProps2.xml><?xml version="1.0" encoding="utf-8"?>
+<ds:datastoreItem xmlns:ds="http://schemas.openxmlformats.org/officeDocument/2006/customXml" ds:itemID="{48DB25A3-8289-4CB2-A532-354EA7BB6794}">
+  <ds:schemaRefs>
+    <ds:schemaRef ds:uri="http://schemas.microsoft.com/office/2006/metadata/contentType"/>
+    <ds:schemaRef ds:uri="http://schemas.microsoft.com/office/2006/metadata/properties/metaAttributes"/>
+    <ds:schemaRef ds:uri="http://www.w3.org/2001/XMLSchema"/>
+    <ds:schemaRef ds:uri="http://schemas.microsoft.com/office/2006/metadata/properties"/>
+    <ds:schemaRef ds:uri="http://schemas.microsoft.com/sharepoint/v3"/>
+    <ds:schemaRef ds:uri="565f845c-8bcf-40be-962f-d6cd85ab3a8a"/>
+    <ds:schemaRef ds:uri="1f53df8b-058d-4062-a5e9-4b16ff8304a3"/>
+    <ds:schemaRef ds:uri="165eefe7-2290-434e-9d8d-c145711ff539"/>
+    <ds:schemaRef ds:uri="http://schemas.microsoft.com/office/2006/documentManagement/types"/>
+    <ds:schemaRef ds:uri="http://schemas.microsoft.com/office/infopath/2007/PartnerControls"/>
+    <ds:schemaRef ds:uri="http://schemas.openxmlformats.org/package/2006/metadata/core-properties"/>
+    <ds:schemaRef ds:uri="http://purl.org/dc/elements/1.1/"/>
+    <ds:schemaRef ds:uri="http://purl.org/dc/terms/"/>
+    <ds:schemaRef ds:uri="http://schemas.microsoft.com/internal/obd"/>
+  </ds:schemaRefs>
+</ds:datastoreItem>
+</file>
+
+<file path=customXml/itemProps3.xml><?xml version="1.0" encoding="utf-8"?>
+<ds:datastoreItem xmlns:ds="http://schemas.openxmlformats.org/officeDocument/2006/customXml" ds:itemID="{9A954D4F-B652-428E-834A-B698112F774B}">
+  <ds:schemaRefs>
+    <ds:schemaRef ds:uri="office.server.policy"/>
+  </ds:schemaRefs>
+</ds:datastoreItem>
+</file>
+
+<file path=customXml/itemProps4.xml><?xml version="1.0" encoding="utf-8"?>
+<ds:datastoreItem xmlns:ds="http://schemas.openxmlformats.org/officeDocument/2006/customXml" ds:itemID="{B3CD1EE0-31B4-4955-A6D9-9858869D2628}">
+  <ds:schemaRefs>
+    <ds:schemaRef ds:uri="http://schemas.microsoft.com/sharepoint/events"/>
+  </ds:schemaRefs>
+</ds:datastoreItem>
+</file>
+
+<file path=customXml/itemProps5.xml><?xml version="1.0" encoding="utf-8"?>
+<ds:datastoreItem xmlns:ds="http://schemas.openxmlformats.org/officeDocument/2006/customXml" ds:itemID="{8ED80614-714A-4E1A-BC56-F590C63B6628}">
+  <ds:schemaRefs>
+    <ds:schemaRef ds:uri="http://schemas.microsoft.com/sharepoint/v3/contenttype/forms"/>
+  </ds:schemaRefs>
+</ds:datastoreItem>
 </file>